--- a/Monte_Carlo_Intervention.pptx
+++ b/Monte_Carlo_Intervention.pptx
@@ -109,6 +109,11 @@
       </a:defRPr>
     </a:lvl9pPr>
   </p:defaultTextStyle>
+  <p:extLst>
+    <p:ext uri="{EFAFB233-063F-42B5-8137-9DF3F51BA10A}">
+      <p15:sldGuideLst xmlns:p15="http://schemas.microsoft.com/office/powerpoint/2012/main"/>
+    </p:ext>
+  </p:extLst>
 </p:presentation>
 </file>
 
@@ -4327,7 +4332,7 @@
           <a:p>
             <a:r>
               <a:rPr lang="en-US" sz="3600" b="1" dirty="0"/>
-              <a:t>Random Variables</a:t>
+              <a:t>Hypothesis and Random Variables</a:t>
             </a:r>
           </a:p>
         </p:txBody>
@@ -4352,6 +4357,24 @@
         <p:txBody>
           <a:bodyPr/>
           <a:lstStyle/>
+          <a:p>
+            <a:pPr marL="0" indent="0">
+              <a:buNone/>
+            </a:pPr>
+            <a:r>
+              <a:rPr lang="en-US" dirty="0"/>
+              <a:t>Adds at least 5 years per person of life if Smoking is Quit</a:t>
+            </a:r>
+          </a:p>
+          <a:p>
+            <a:pPr marL="0" indent="0">
+              <a:buNone/>
+            </a:pPr>
+            <a:r>
+              <a:rPr lang="en-US" dirty="0"/>
+              <a:t>Saves $12000 per person in Clinical bills per person</a:t>
+            </a:r>
+          </a:p>
           <a:p>
             <a:r>
               <a:rPr lang="en-US" dirty="0"/>
@@ -4403,15 +4426,6 @@
           <a:p>
             <a:pPr lvl="1"/>
             <a:endParaRPr lang="en-US" dirty="0"/>
-          </a:p>
-          <a:p>
-            <a:pPr marL="457200" lvl="1" indent="0" algn="ctr">
-              <a:buNone/>
-            </a:pPr>
-            <a:r>
-              <a:rPr lang="en-US" sz="4000" dirty="0"/>
-              <a:t>Hypothesis???</a:t>
-            </a:r>
           </a:p>
         </p:txBody>
       </p:sp>
